--- a/prezentacia.pptx
+++ b/prezentacia.pptx
@@ -11,12 +11,13 @@
     <p:sldId id="259" r:id="rId5"/>
     <p:sldId id="260" r:id="rId6"/>
     <p:sldId id="261" r:id="rId7"/>
-    <p:sldId id="262" r:id="rId8"/>
-    <p:sldId id="263" r:id="rId9"/>
-    <p:sldId id="267" r:id="rId10"/>
-    <p:sldId id="264" r:id="rId11"/>
-    <p:sldId id="265" r:id="rId12"/>
-    <p:sldId id="266" r:id="rId13"/>
+    <p:sldId id="268" r:id="rId8"/>
+    <p:sldId id="262" r:id="rId9"/>
+    <p:sldId id="263" r:id="rId10"/>
+    <p:sldId id="267" r:id="rId11"/>
+    <p:sldId id="264" r:id="rId12"/>
+    <p:sldId id="265" r:id="rId13"/>
+    <p:sldId id="266" r:id="rId14"/>
   </p:sldIdLst>
   <p:sldSz cx="12192000" cy="6858000"/>
   <p:notesSz cx="6858000" cy="9144000"/>
@@ -306,7 +307,7 @@
           <a:p>
             <a:fld id="{4AAD347D-5ACD-4C99-B74B-A9C85AD731AF}" type="datetimeFigureOut">
               <a:rPr lang="en-US" dirty="0"/>
-              <a:t>5/8/2020</a:t>
+              <a:t>5/10/2020</a:t>
             </a:fld>
             <a:endParaRPr lang="en-US" dirty="0"/>
           </a:p>
@@ -576,7 +577,7 @@
           <a:p>
             <a:fld id="{4509A250-FF31-4206-8172-F9D3106AACB1}" type="datetimeFigureOut">
               <a:rPr lang="en-US" dirty="0"/>
-              <a:t>5/8/2020</a:t>
+              <a:t>5/10/2020</a:t>
             </a:fld>
             <a:endParaRPr lang="en-US" dirty="0"/>
           </a:p>
@@ -765,7 +766,7 @@
           <a:p>
             <a:fld id="{4509A250-FF31-4206-8172-F9D3106AACB1}" type="datetimeFigureOut">
               <a:rPr lang="en-US" dirty="0"/>
-              <a:t>5/8/2020</a:t>
+              <a:t>5/10/2020</a:t>
             </a:fld>
             <a:endParaRPr lang="en-US" dirty="0"/>
           </a:p>
@@ -1028,7 +1029,7 @@
           <a:p>
             <a:fld id="{4509A250-FF31-4206-8172-F9D3106AACB1}" type="datetimeFigureOut">
               <a:rPr lang="en-US" dirty="0"/>
-              <a:t>5/8/2020</a:t>
+              <a:t>5/10/2020</a:t>
             </a:fld>
             <a:endParaRPr lang="en-US" dirty="0"/>
           </a:p>
@@ -1355,7 +1356,7 @@
           <a:p>
             <a:fld id="{4509A250-FF31-4206-8172-F9D3106AACB1}" type="datetimeFigureOut">
               <a:rPr lang="en-US" dirty="0"/>
-              <a:t>5/8/2020</a:t>
+              <a:t>5/10/2020</a:t>
             </a:fld>
             <a:endParaRPr lang="en-US" dirty="0"/>
           </a:p>
@@ -1960,7 +1961,7 @@
           <a:p>
             <a:fld id="{4509A250-FF31-4206-8172-F9D3106AACB1}" type="datetimeFigureOut">
               <a:rPr lang="en-US" dirty="0"/>
-              <a:t>5/8/2020</a:t>
+              <a:t>5/10/2020</a:t>
             </a:fld>
             <a:endParaRPr lang="en-US" dirty="0"/>
           </a:p>
@@ -2802,7 +2803,7 @@
           <a:p>
             <a:fld id="{4509A250-FF31-4206-8172-F9D3106AACB1}" type="datetimeFigureOut">
               <a:rPr lang="en-US" dirty="0"/>
-              <a:t>5/8/2020</a:t>
+              <a:t>5/10/2020</a:t>
             </a:fld>
             <a:endParaRPr lang="en-US" dirty="0"/>
           </a:p>
@@ -2967,7 +2968,7 @@
           <a:p>
             <a:fld id="{4509A250-FF31-4206-8172-F9D3106AACB1}" type="datetimeFigureOut">
               <a:rPr lang="en-US" dirty="0"/>
-              <a:t>5/8/2020</a:t>
+              <a:t>5/10/2020</a:t>
             </a:fld>
             <a:endParaRPr lang="en-US" dirty="0"/>
           </a:p>
@@ -3142,7 +3143,7 @@
           <a:p>
             <a:fld id="{4509A250-FF31-4206-8172-F9D3106AACB1}" type="datetimeFigureOut">
               <a:rPr lang="en-US" dirty="0"/>
-              <a:t>5/8/2020</a:t>
+              <a:t>5/10/2020</a:t>
             </a:fld>
             <a:endParaRPr lang="en-US" dirty="0"/>
           </a:p>
@@ -3307,7 +3308,7 @@
           <a:p>
             <a:fld id="{4509A250-FF31-4206-8172-F9D3106AACB1}" type="datetimeFigureOut">
               <a:rPr lang="en-US" dirty="0"/>
-              <a:t>5/8/2020</a:t>
+              <a:t>5/10/2020</a:t>
             </a:fld>
             <a:endParaRPr lang="en-US" dirty="0"/>
           </a:p>
@@ -3546,7 +3547,7 @@
           <a:p>
             <a:fld id="{4509A250-FF31-4206-8172-F9D3106AACB1}" type="datetimeFigureOut">
               <a:rPr lang="en-US" dirty="0"/>
-              <a:t>5/8/2020</a:t>
+              <a:t>5/10/2020</a:t>
             </a:fld>
             <a:endParaRPr lang="en-US" dirty="0"/>
           </a:p>
@@ -3833,7 +3834,7 @@
           <a:p>
             <a:fld id="{4509A250-FF31-4206-8172-F9D3106AACB1}" type="datetimeFigureOut">
               <a:rPr lang="en-US" dirty="0"/>
-              <a:t>5/8/2020</a:t>
+              <a:t>5/10/2020</a:t>
             </a:fld>
             <a:endParaRPr lang="en-US" dirty="0"/>
           </a:p>
@@ -4266,7 +4267,7 @@
           <a:p>
             <a:fld id="{4509A250-FF31-4206-8172-F9D3106AACB1}" type="datetimeFigureOut">
               <a:rPr lang="en-US" dirty="0"/>
-              <a:t>5/8/2020</a:t>
+              <a:t>5/10/2020</a:t>
             </a:fld>
             <a:endParaRPr lang="en-US" dirty="0"/>
           </a:p>
@@ -4379,7 +4380,7 @@
           <a:p>
             <a:fld id="{4509A250-FF31-4206-8172-F9D3106AACB1}" type="datetimeFigureOut">
               <a:rPr lang="en-US" dirty="0"/>
-              <a:t>5/8/2020</a:t>
+              <a:t>5/10/2020</a:t>
             </a:fld>
             <a:endParaRPr lang="en-US" dirty="0"/>
           </a:p>
@@ -4469,7 +4470,7 @@
           <a:p>
             <a:fld id="{4509A250-FF31-4206-8172-F9D3106AACB1}" type="datetimeFigureOut">
               <a:rPr lang="en-US" dirty="0"/>
-              <a:t>5/8/2020</a:t>
+              <a:t>5/10/2020</a:t>
             </a:fld>
             <a:endParaRPr lang="en-US" dirty="0"/>
           </a:p>
@@ -4743,7 +4744,7 @@
           <a:p>
             <a:fld id="{4509A250-FF31-4206-8172-F9D3106AACB1}" type="datetimeFigureOut">
               <a:rPr lang="en-US" dirty="0"/>
-              <a:t>5/8/2020</a:t>
+              <a:t>5/10/2020</a:t>
             </a:fld>
             <a:endParaRPr lang="en-US" dirty="0"/>
           </a:p>
@@ -5013,7 +5014,7 @@
           <a:p>
             <a:fld id="{4509A250-FF31-4206-8172-F9D3106AACB1}" type="datetimeFigureOut">
               <a:rPr lang="en-US" dirty="0"/>
-              <a:t>5/8/2020</a:t>
+              <a:t>5/10/2020</a:t>
             </a:fld>
             <a:endParaRPr lang="en-US" dirty="0"/>
           </a:p>
@@ -5437,7 +5438,7 @@
           <a:p>
             <a:fld id="{4509A250-FF31-4206-8172-F9D3106AACB1}" type="datetimeFigureOut">
               <a:rPr lang="en-US" dirty="0"/>
-              <a:t>5/8/2020</a:t>
+              <a:t>5/10/2020</a:t>
             </a:fld>
             <a:endParaRPr lang="en-US" dirty="0"/>
           </a:p>
@@ -6041,7 +6042,7 @@
           <a:p>
             <a:r>
               <a:rPr lang="sk-SK" dirty="0" smtClean="0"/>
-              <a:t>Zhrnutie a vyhodnotenie</a:t>
+              <a:t>Matematické výpočty</a:t>
             </a:r>
             <a:endParaRPr lang="sk-SK" dirty="0"/>
           </a:p>
@@ -6057,73 +6058,48 @@
             <p:ph idx="1"/>
           </p:nvPr>
         </p:nvSpPr>
-        <p:spPr/>
+        <p:spPr>
+          <a:xfrm>
+            <a:off x="779116" y="1961478"/>
+            <a:ext cx="8946541" cy="4195481"/>
+          </a:xfrm>
+        </p:spPr>
         <p:txBody>
           <a:bodyPr/>
           <a:lstStyle/>
           <a:p>
             <a:r>
               <a:rPr lang="sk-SK" dirty="0" smtClean="0"/>
-              <a:t>Vstupný dataset</a:t>
-            </a:r>
-          </a:p>
-          <a:p>
-            <a:r>
-              <a:rPr lang="sk-SK" dirty="0"/>
-              <a:t>Využitie </a:t>
-            </a:r>
-            <a:r>
-              <a:rPr lang="sk-SK" dirty="0" err="1"/>
-              <a:t>Perceptrónu</a:t>
-            </a:r>
-            <a:endParaRPr lang="sk-SK" dirty="0"/>
+              <a:t>Perceptrón</a:t>
+            </a:r>
+          </a:p>
+          <a:p>
+            <a:endParaRPr lang="sk-SK" dirty="0" smtClean="0"/>
+          </a:p>
+          <a:p>
+            <a:pPr marL="0" indent="0">
+              <a:buNone/>
+            </a:pPr>
+            <a:endParaRPr lang="sk-SK" dirty="0" smtClean="0"/>
+          </a:p>
+          <a:p>
+            <a:pPr marL="0" indent="0">
+              <a:buNone/>
+            </a:pPr>
+            <a:endParaRPr lang="sk-SK" dirty="0" smtClean="0"/>
           </a:p>
           <a:p>
             <a:r>
               <a:rPr lang="sk-SK" dirty="0" smtClean="0"/>
-              <a:t>Použitá </a:t>
-            </a:r>
-            <a:r>
-              <a:rPr lang="sk-SK" dirty="0" smtClean="0"/>
-              <a:t>neurónová sieť – Keras</a:t>
-            </a:r>
-          </a:p>
-          <a:p>
-            <a:r>
-              <a:rPr lang="sk-SK" dirty="0" smtClean="0"/>
-              <a:t>Využitie </a:t>
-            </a:r>
-            <a:r>
-              <a:rPr lang="sk-SK" dirty="0" smtClean="0"/>
-              <a:t>trénovacích dát</a:t>
-            </a:r>
-          </a:p>
-          <a:p>
-            <a:r>
-              <a:rPr lang="sk-SK" dirty="0" smtClean="0"/>
-              <a:t>Presnosť siete</a:t>
-            </a:r>
-          </a:p>
-          <a:p>
-            <a:endParaRPr lang="sk-SK" dirty="0" smtClean="0"/>
-          </a:p>
-          <a:p>
-            <a:endParaRPr lang="sk-SK" dirty="0" smtClean="0"/>
-          </a:p>
-          <a:p>
-            <a:endParaRPr lang="sk-SK" dirty="0" smtClean="0"/>
-          </a:p>
-          <a:p>
-            <a:endParaRPr lang="sk-SK" dirty="0" smtClean="0"/>
-          </a:p>
-          <a:p>
+              <a:t>Aktivačné funkcie</a:t>
+            </a:r>
             <a:endParaRPr lang="sk-SK" dirty="0"/>
           </a:p>
         </p:txBody>
       </p:sp>
       <p:pic>
         <p:nvPicPr>
-          <p:cNvPr id="4" name="Obrázok 3"/>
+          <p:cNvPr id="6" name="Obrázok 5"/>
           <p:cNvPicPr>
             <a:picLocks noChangeAspect="1"/>
           </p:cNvPicPr>
@@ -6137,8 +6113,8 @@
         </p:blipFill>
         <p:spPr>
           <a:xfrm>
-            <a:off x="5348472" y="1552853"/>
-            <a:ext cx="4029075" cy="1000125"/>
+            <a:off x="1182483" y="4282178"/>
+            <a:ext cx="4499178" cy="1692065"/>
           </a:xfrm>
           <a:prstGeom prst="rect">
             <a:avLst/>
@@ -6147,7 +6123,7 @@
       </p:pic>
       <p:pic>
         <p:nvPicPr>
-          <p:cNvPr id="5" name="Obrázok 4"/>
+          <p:cNvPr id="7" name="Obrázok 6"/>
           <p:cNvPicPr>
             <a:picLocks noChangeAspect="1"/>
           </p:cNvPicPr>
@@ -6161,32 +6137,8 @@
         </p:blipFill>
         <p:spPr>
           <a:xfrm>
-            <a:off x="8264379" y="2120914"/>
-            <a:ext cx="2606672" cy="1710431"/>
-          </a:xfrm>
-          <a:prstGeom prst="rect">
-            <a:avLst/>
-          </a:prstGeom>
-        </p:spPr>
-      </p:pic>
-      <p:pic>
-        <p:nvPicPr>
-          <p:cNvPr id="6" name="Obrázok 5"/>
-          <p:cNvPicPr>
-            <a:picLocks noChangeAspect="1"/>
-          </p:cNvPicPr>
-          <p:nvPr/>
-        </p:nvPicPr>
-        <p:blipFill>
-          <a:blip r:embed="rId4"/>
-          <a:stretch>
-            <a:fillRect/>
-          </a:stretch>
-        </p:blipFill>
-        <p:spPr>
-          <a:xfrm>
-            <a:off x="5731289" y="2552978"/>
-            <a:ext cx="2600834" cy="1723593"/>
+            <a:off x="1182483" y="2539181"/>
+            <a:ext cx="4429125" cy="809625"/>
           </a:xfrm>
           <a:prstGeom prst="rect">
             <a:avLst/>
@@ -6196,7 +6148,7 @@
     </p:spTree>
     <p:extLst>
       <p:ext uri="{BB962C8B-B14F-4D97-AF65-F5344CB8AC3E}">
-        <p14:creationId xmlns:p14="http://schemas.microsoft.com/office/powerpoint/2010/main" val="2711865234"/>
+        <p14:creationId xmlns:p14="http://schemas.microsoft.com/office/powerpoint/2010/main" val="3620657837"/>
       </p:ext>
     </p:extLst>
   </p:cSld>
@@ -6247,6 +6199,210 @@
           <a:p>
             <a:r>
               <a:rPr lang="sk-SK" dirty="0" smtClean="0"/>
+              <a:t>Zhrnutie a vyhodnotenie</a:t>
+            </a:r>
+            <a:endParaRPr lang="sk-SK" dirty="0"/>
+          </a:p>
+        </p:txBody>
+      </p:sp>
+      <p:sp>
+        <p:nvSpPr>
+          <p:cNvPr id="3" name="Zástupný objekt pre obsah 2"/>
+          <p:cNvSpPr>
+            <a:spLocks noGrp="1"/>
+          </p:cNvSpPr>
+          <p:nvPr>
+            <p:ph idx="1"/>
+          </p:nvPr>
+        </p:nvSpPr>
+        <p:spPr>
+          <a:xfrm>
+            <a:off x="1104293" y="2052915"/>
+            <a:ext cx="8946541" cy="4195481"/>
+          </a:xfrm>
+        </p:spPr>
+        <p:txBody>
+          <a:bodyPr/>
+          <a:lstStyle/>
+          <a:p>
+            <a:r>
+              <a:rPr lang="sk-SK" dirty="0" smtClean="0"/>
+              <a:t>Vstupný dataset</a:t>
+            </a:r>
+          </a:p>
+          <a:p>
+            <a:r>
+              <a:rPr lang="sk-SK" dirty="0"/>
+              <a:t>Využitie Perceptrónu</a:t>
+            </a:r>
+          </a:p>
+          <a:p>
+            <a:r>
+              <a:rPr lang="sk-SK" dirty="0" smtClean="0"/>
+              <a:t>Použitá neurónová sieť – Keras</a:t>
+            </a:r>
+          </a:p>
+          <a:p>
+            <a:r>
+              <a:rPr lang="sk-SK" dirty="0" smtClean="0"/>
+              <a:t>Využitie trénovacích dát</a:t>
+            </a:r>
+          </a:p>
+          <a:p>
+            <a:r>
+              <a:rPr lang="sk-SK" dirty="0" smtClean="0"/>
+              <a:t>Využitie aktivačných funkcií</a:t>
+            </a:r>
+          </a:p>
+          <a:p>
+            <a:r>
+              <a:rPr lang="sk-SK" dirty="0" smtClean="0"/>
+              <a:t>Presnosť siete</a:t>
+            </a:r>
+          </a:p>
+          <a:p>
+            <a:endParaRPr lang="sk-SK" dirty="0" smtClean="0"/>
+          </a:p>
+          <a:p>
+            <a:endParaRPr lang="sk-SK" dirty="0" smtClean="0"/>
+          </a:p>
+          <a:p>
+            <a:endParaRPr lang="sk-SK" dirty="0" smtClean="0"/>
+          </a:p>
+          <a:p>
+            <a:endParaRPr lang="sk-SK" dirty="0" smtClean="0"/>
+          </a:p>
+          <a:p>
+            <a:endParaRPr lang="sk-SK" dirty="0"/>
+          </a:p>
+        </p:txBody>
+      </p:sp>
+      <p:pic>
+        <p:nvPicPr>
+          <p:cNvPr id="4" name="Obrázok 3"/>
+          <p:cNvPicPr>
+            <a:picLocks noChangeAspect="1"/>
+          </p:cNvPicPr>
+          <p:nvPr/>
+        </p:nvPicPr>
+        <p:blipFill>
+          <a:blip r:embed="rId2"/>
+          <a:stretch>
+            <a:fillRect/>
+          </a:stretch>
+        </p:blipFill>
+        <p:spPr>
+          <a:xfrm>
+            <a:off x="5348472" y="1552853"/>
+            <a:ext cx="4029075" cy="1000125"/>
+          </a:xfrm>
+          <a:prstGeom prst="rect">
+            <a:avLst/>
+          </a:prstGeom>
+        </p:spPr>
+      </p:pic>
+      <p:pic>
+        <p:nvPicPr>
+          <p:cNvPr id="5" name="Obrázok 4"/>
+          <p:cNvPicPr>
+            <a:picLocks noChangeAspect="1"/>
+          </p:cNvPicPr>
+          <p:nvPr/>
+        </p:nvPicPr>
+        <p:blipFill>
+          <a:blip r:embed="rId3"/>
+          <a:stretch>
+            <a:fillRect/>
+          </a:stretch>
+        </p:blipFill>
+        <p:spPr>
+          <a:xfrm>
+            <a:off x="8264379" y="2120914"/>
+            <a:ext cx="2606672" cy="1710431"/>
+          </a:xfrm>
+          <a:prstGeom prst="rect">
+            <a:avLst/>
+          </a:prstGeom>
+        </p:spPr>
+      </p:pic>
+      <p:pic>
+        <p:nvPicPr>
+          <p:cNvPr id="6" name="Obrázok 5"/>
+          <p:cNvPicPr>
+            <a:picLocks noChangeAspect="1"/>
+          </p:cNvPicPr>
+          <p:nvPr/>
+        </p:nvPicPr>
+        <p:blipFill>
+          <a:blip r:embed="rId4"/>
+          <a:stretch>
+            <a:fillRect/>
+          </a:stretch>
+        </p:blipFill>
+        <p:spPr>
+          <a:xfrm>
+            <a:off x="5731289" y="2552978"/>
+            <a:ext cx="2600834" cy="1723593"/>
+          </a:xfrm>
+          <a:prstGeom prst="rect">
+            <a:avLst/>
+          </a:prstGeom>
+        </p:spPr>
+      </p:pic>
+    </p:spTree>
+    <p:extLst>
+      <p:ext uri="{BB962C8B-B14F-4D97-AF65-F5344CB8AC3E}">
+        <p14:creationId xmlns:p14="http://schemas.microsoft.com/office/powerpoint/2010/main" val="2711865234"/>
+      </p:ext>
+    </p:extLst>
+  </p:cSld>
+  <p:clrMapOvr>
+    <a:masterClrMapping/>
+  </p:clrMapOvr>
+  <p:timing>
+    <p:tnLst>
+      <p:par>
+        <p:cTn id="1" dur="indefinite" restart="never" nodeType="tmRoot"/>
+      </p:par>
+    </p:tnLst>
+  </p:timing>
+</p:sld>
+</file>
+
+<file path=ppt/slides/slide12.xml><?xml version="1.0" encoding="utf-8"?>
+<p:sld xmlns:a="http://schemas.openxmlformats.org/drawingml/2006/main" xmlns:r="http://schemas.openxmlformats.org/officeDocument/2006/relationships" xmlns:p="http://schemas.openxmlformats.org/presentationml/2006/main">
+  <p:cSld>
+    <p:spTree>
+      <p:nvGrpSpPr>
+        <p:cNvPr id="1" name=""/>
+        <p:cNvGrpSpPr/>
+        <p:nvPr/>
+      </p:nvGrpSpPr>
+      <p:grpSpPr>
+        <a:xfrm>
+          <a:off x="0" y="0"/>
+          <a:ext cx="0" cy="0"/>
+          <a:chOff x="0" y="0"/>
+          <a:chExt cx="0" cy="0"/>
+        </a:xfrm>
+      </p:grpSpPr>
+      <p:sp>
+        <p:nvSpPr>
+          <p:cNvPr id="2" name="Nadpis 1"/>
+          <p:cNvSpPr>
+            <a:spLocks noGrp="1"/>
+          </p:cNvSpPr>
+          <p:nvPr>
+            <p:ph type="title"/>
+          </p:nvPr>
+        </p:nvSpPr>
+        <p:spPr/>
+        <p:txBody>
+          <a:bodyPr/>
+          <a:lstStyle/>
+          <a:p>
+            <a:r>
+              <a:rPr lang="sk-SK" dirty="0" smtClean="0"/>
               <a:t>Použitá literatúra</a:t>
             </a:r>
             <a:endParaRPr lang="sk-SK" dirty="0"/>
@@ -6403,7 +6559,7 @@
 </p:sld>
 </file>
 
-<file path=ppt/slides/slide12.xml><?xml version="1.0" encoding="utf-8"?>
+<file path=ppt/slides/slide13.xml><?xml version="1.0" encoding="utf-8"?>
 <p:sld xmlns:a="http://schemas.openxmlformats.org/drawingml/2006/main" xmlns:r="http://schemas.openxmlformats.org/officeDocument/2006/relationships" xmlns:p="http://schemas.openxmlformats.org/presentationml/2006/main">
   <p:cSld>
     <p:spTree>
@@ -6532,13 +6688,8 @@
           <a:p>
             <a:r>
               <a:rPr lang="sk-SK" sz="3200" dirty="0" smtClean="0"/>
-              <a:t>Využitie neurónových </a:t>
-            </a:r>
-            <a:r>
-              <a:rPr lang="sk-SK" sz="3200" dirty="0" smtClean="0"/>
-              <a:t>sietí a dopracovanie sa k výsledku</a:t>
-            </a:r>
-            <a:endParaRPr lang="sk-SK" sz="3200" dirty="0" smtClean="0"/>
+              <a:t>Využitie neurónových sietí a dopracovanie sa k výsledku</a:t>
+            </a:r>
           </a:p>
           <a:p>
             <a:r>
@@ -7003,38 +7154,12 @@
           <a:p>
             <a:r>
               <a:rPr lang="sk-SK" dirty="0" smtClean="0"/>
-              <a:t>Využitá trieda Perceptrón</a:t>
+              <a:t>Využitie Perceptrónu</a:t>
             </a:r>
             <a:endParaRPr lang="sk-SK" dirty="0"/>
           </a:p>
         </p:txBody>
       </p:sp>
-      <p:pic>
-        <p:nvPicPr>
-          <p:cNvPr id="4" name="Zástupný objekt pre obsah 3"/>
-          <p:cNvPicPr>
-            <a:picLocks noGrp="1" noChangeAspect="1"/>
-          </p:cNvPicPr>
-          <p:nvPr>
-            <p:ph idx="1"/>
-          </p:nvPr>
-        </p:nvPicPr>
-        <p:blipFill>
-          <a:blip r:embed="rId2"/>
-          <a:stretch>
-            <a:fillRect/>
-          </a:stretch>
-        </p:blipFill>
-        <p:spPr>
-          <a:xfrm>
-            <a:off x="652562" y="1581669"/>
-            <a:ext cx="4972050" cy="2295525"/>
-          </a:xfrm>
-          <a:prstGeom prst="rect">
-            <a:avLst/>
-          </a:prstGeom>
-        </p:spPr>
-      </p:pic>
       <p:sp>
         <p:nvSpPr>
           <p:cNvPr id="5" name="BlokTextu 4"/>
@@ -7112,6 +7237,30 @@
       <p:pic>
         <p:nvPicPr>
           <p:cNvPr id="6" name="Obrázok 5"/>
+          <p:cNvPicPr>
+            <a:picLocks noChangeAspect="1"/>
+          </p:cNvPicPr>
+          <p:nvPr/>
+        </p:nvPicPr>
+        <p:blipFill>
+          <a:blip r:embed="rId2"/>
+          <a:stretch>
+            <a:fillRect/>
+          </a:stretch>
+        </p:blipFill>
+        <p:spPr>
+          <a:xfrm>
+            <a:off x="6576665" y="1676919"/>
+            <a:ext cx="3588865" cy="2133919"/>
+          </a:xfrm>
+          <a:prstGeom prst="rect">
+            <a:avLst/>
+          </a:prstGeom>
+        </p:spPr>
+      </p:pic>
+      <p:pic>
+        <p:nvPicPr>
+          <p:cNvPr id="7" name="Obrázok 6"/>
           <p:cNvPicPr>
             <a:picLocks noChangeAspect="1"/>
           </p:cNvPicPr>
@@ -7125,8 +7274,8 @@
         </p:blipFill>
         <p:spPr>
           <a:xfrm>
-            <a:off x="6560040" y="1572144"/>
-            <a:ext cx="3876675" cy="2305050"/>
+            <a:off x="4601511" y="4134593"/>
+            <a:ext cx="3581400" cy="2276475"/>
           </a:xfrm>
           <a:prstGeom prst="rect">
             <a:avLst/>
@@ -7135,7 +7284,7 @@
       </p:pic>
       <p:pic>
         <p:nvPicPr>
-          <p:cNvPr id="7" name="Obrázok 6"/>
+          <p:cNvPr id="8" name="Obrázok 7"/>
           <p:cNvPicPr>
             <a:picLocks noChangeAspect="1"/>
           </p:cNvPicPr>
@@ -7149,8 +7298,8 @@
         </p:blipFill>
         <p:spPr>
           <a:xfrm>
-            <a:off x="4601511" y="4234345"/>
-            <a:ext cx="3581400" cy="2276475"/>
+            <a:off x="671207" y="1676919"/>
+            <a:ext cx="4905375" cy="2095500"/>
           </a:xfrm>
           <a:prstGeom prst="rect">
             <a:avLst/>
@@ -7233,26 +7382,9 @@
           <a:lstStyle/>
           <a:p>
             <a:r>
-              <a:rPr lang="sk-SK" dirty="0" err="1" smtClean="0"/>
-              <a:t>Deap</a:t>
-            </a:r>
-            <a:r>
               <a:rPr lang="sk-SK" dirty="0" smtClean="0"/>
-              <a:t> </a:t>
-            </a:r>
-            <a:r>
-              <a:rPr lang="sk-SK" dirty="0" err="1" smtClean="0"/>
-              <a:t>learning</a:t>
-            </a:r>
-            <a:r>
-              <a:rPr lang="sk-SK" dirty="0" smtClean="0"/>
-              <a:t> </a:t>
-            </a:r>
-            <a:r>
-              <a:rPr lang="sk-SK" dirty="0" smtClean="0"/>
-              <a:t>knižnica </a:t>
-            </a:r>
-            <a:endParaRPr lang="sk-SK" dirty="0" smtClean="0"/>
+              <a:t>Deap learning knižnica </a:t>
+            </a:r>
           </a:p>
           <a:p>
             <a:r>
@@ -7292,7 +7424,7 @@
       </p:sp>
       <p:pic>
         <p:nvPicPr>
-          <p:cNvPr id="4" name="Obrázok 3"/>
+          <p:cNvPr id="7" name="Obrázok 6"/>
           <p:cNvPicPr>
             <a:picLocks noChangeAspect="1"/>
           </p:cNvPicPr>
@@ -7306,8 +7438,8 @@
         </p:blipFill>
         <p:spPr>
           <a:xfrm>
-            <a:off x="1182052" y="4062444"/>
-            <a:ext cx="6191337" cy="2345080"/>
+            <a:off x="1878413" y="3977803"/>
+            <a:ext cx="3400425" cy="2543175"/>
           </a:xfrm>
           <a:prstGeom prst="rect">
             <a:avLst/>
@@ -7316,46 +7448,28 @@
       </p:pic>
       <p:pic>
         <p:nvPicPr>
-          <p:cNvPr id="7" name="Obrázok 6"/>
+          <p:cNvPr id="6" name="Obrázok 5"/>
           <p:cNvPicPr>
             <a:picLocks noChangeAspect="1"/>
           </p:cNvPicPr>
           <p:nvPr/>
         </p:nvPicPr>
         <p:blipFill>
-          <a:blip r:embed="rId3"/>
+          <a:blip r:embed="rId3">
+            <a:extLst>
+              <a:ext uri="{28A0092B-C50C-407E-A947-70E740481C1C}">
+                <a14:useLocalDpi xmlns:a14="http://schemas.microsoft.com/office/drawing/2010/main" val="0"/>
+              </a:ext>
+            </a:extLst>
+          </a:blip>
           <a:stretch>
             <a:fillRect/>
           </a:stretch>
         </p:blipFill>
         <p:spPr>
           <a:xfrm>
-            <a:off x="8553533" y="2290320"/>
-            <a:ext cx="3400425" cy="2543175"/>
-          </a:xfrm>
-          <a:prstGeom prst="rect">
-            <a:avLst/>
-          </a:prstGeom>
-        </p:spPr>
-      </p:pic>
-      <p:pic>
-        <p:nvPicPr>
-          <p:cNvPr id="8" name="Obrázok 7"/>
-          <p:cNvPicPr>
-            <a:picLocks noChangeAspect="1"/>
-          </p:cNvPicPr>
-          <p:nvPr/>
-        </p:nvPicPr>
-        <p:blipFill>
-          <a:blip r:embed="rId4"/>
-          <a:stretch>
-            <a:fillRect/>
-          </a:stretch>
-        </p:blipFill>
-        <p:spPr>
-          <a:xfrm>
-            <a:off x="7928348" y="5335163"/>
-            <a:ext cx="3967166" cy="559579"/>
+            <a:off x="9622329" y="1516553"/>
+            <a:ext cx="1948988" cy="1948988"/>
           </a:xfrm>
           <a:prstGeom prst="rect">
             <a:avLst/>
@@ -7411,7 +7525,7 @@
         </p:nvSpPr>
         <p:spPr>
           <a:xfrm>
-            <a:off x="645130" y="457200"/>
+            <a:off x="858378" y="283521"/>
             <a:ext cx="9404723" cy="1400530"/>
           </a:xfrm>
         </p:spPr>
@@ -7421,179 +7535,15 @@
           <a:p>
             <a:r>
               <a:rPr lang="sk-SK" dirty="0" smtClean="0"/>
-              <a:t>Použité knižnice</a:t>
-            </a:r>
-            <a:endParaRPr lang="sk-SK" dirty="0"/>
-          </a:p>
-        </p:txBody>
-      </p:sp>
-      <p:sp>
-        <p:nvSpPr>
-          <p:cNvPr id="5" name="Zástupný objekt pre obsah 4"/>
-          <p:cNvSpPr>
-            <a:spLocks noGrp="1"/>
-          </p:cNvSpPr>
-          <p:nvPr>
-            <p:ph idx="1"/>
-          </p:nvPr>
-        </p:nvSpPr>
-        <p:spPr/>
-        <p:txBody>
-          <a:bodyPr/>
-          <a:lstStyle/>
-          <a:p>
-            <a:r>
-              <a:rPr lang="sk-SK" dirty="0" err="1" smtClean="0"/>
-              <a:t>Pandas</a:t>
-            </a:r>
-            <a:r>
-              <a:rPr lang="sk-SK" dirty="0" smtClean="0"/>
-              <a:t> – manipulácia a analýza údajov </a:t>
-            </a:r>
-          </a:p>
-          <a:p>
-            <a:r>
-              <a:rPr lang="sk-SK" dirty="0" err="1" smtClean="0"/>
-              <a:t>Numpy</a:t>
-            </a:r>
-            <a:r>
-              <a:rPr lang="sk-SK" dirty="0" smtClean="0"/>
-              <a:t> – matematické funkcie vysokej </a:t>
-            </a:r>
-            <a:r>
-              <a:rPr lang="sk-SK" dirty="0" smtClean="0"/>
-              <a:t>úrovne</a:t>
-            </a:r>
-          </a:p>
-          <a:p>
-            <a:r>
-              <a:rPr lang="sk-SK" dirty="0" err="1" smtClean="0"/>
-              <a:t>Matplotlib</a:t>
-            </a:r>
-            <a:r>
-              <a:rPr lang="sk-SK" dirty="0" smtClean="0"/>
-              <a:t> – vytváranie statických, animovaných a i</a:t>
-            </a:r>
-            <a:r>
-              <a:rPr lang="sk-SK" dirty="0" smtClean="0"/>
-              <a:t>nteraktívnych                               				 vizualizácií  </a:t>
-            </a:r>
-            <a:endParaRPr lang="sk-SK" dirty="0"/>
-          </a:p>
-          <a:p>
-            <a:r>
-              <a:rPr lang="sk-SK" dirty="0" smtClean="0"/>
-              <a:t>Keras:</a:t>
-            </a:r>
-          </a:p>
-          <a:p>
-            <a:pPr lvl="2"/>
-            <a:r>
-              <a:rPr lang="sk-SK" dirty="0" err="1" smtClean="0"/>
-              <a:t>keras.model</a:t>
-            </a:r>
-            <a:r>
-              <a:rPr lang="sk-SK" dirty="0" smtClean="0"/>
-              <a:t> import </a:t>
-            </a:r>
-            <a:r>
-              <a:rPr lang="sk-SK" dirty="0" err="1" smtClean="0"/>
-              <a:t>Sequential</a:t>
-            </a:r>
-            <a:r>
-              <a:rPr lang="sk-SK" dirty="0" smtClean="0"/>
-              <a:t> – Sekvenčný model</a:t>
-            </a:r>
-          </a:p>
-          <a:p>
-            <a:pPr lvl="2"/>
-            <a:r>
-              <a:rPr lang="sk-SK" dirty="0" err="1" smtClean="0"/>
-              <a:t>keras.layers</a:t>
-            </a:r>
-            <a:r>
-              <a:rPr lang="sk-SK" dirty="0" smtClean="0"/>
-              <a:t> </a:t>
-            </a:r>
-            <a:r>
-              <a:rPr lang="sk-SK" dirty="0"/>
-              <a:t>import </a:t>
-            </a:r>
-            <a:r>
-              <a:rPr lang="sk-SK" dirty="0" err="1" smtClean="0"/>
-              <a:t>Dense</a:t>
-            </a:r>
-            <a:r>
-              <a:rPr lang="sk-SK" dirty="0" smtClean="0"/>
-              <a:t> – implementácia operácie</a:t>
-            </a:r>
-            <a:endParaRPr lang="sk-SK" dirty="0"/>
-          </a:p>
-          <a:p>
-            <a:pPr lvl="2"/>
-            <a:r>
-              <a:rPr lang="sk-SK" dirty="0" err="1" smtClean="0"/>
-              <a:t>keras.utils</a:t>
-            </a:r>
-            <a:r>
-              <a:rPr lang="sk-SK" dirty="0" smtClean="0"/>
-              <a:t> </a:t>
-            </a:r>
-            <a:r>
-              <a:rPr lang="sk-SK" dirty="0"/>
-              <a:t>import </a:t>
-            </a:r>
-            <a:r>
-              <a:rPr lang="sk-SK" dirty="0" err="1" smtClean="0"/>
-              <a:t>np_utils</a:t>
-            </a:r>
-            <a:r>
-              <a:rPr lang="sk-SK" dirty="0" smtClean="0"/>
-              <a:t> – balík nástrojov pre Keras</a:t>
-            </a:r>
-            <a:endParaRPr lang="sk-SK" dirty="0"/>
-          </a:p>
-          <a:p>
-            <a:pPr lvl="2"/>
-            <a:r>
-              <a:rPr lang="sk-SK" dirty="0" err="1" smtClean="0"/>
-              <a:t>keras.utils</a:t>
-            </a:r>
-            <a:r>
-              <a:rPr lang="sk-SK" dirty="0" smtClean="0"/>
-              <a:t> </a:t>
-            </a:r>
-            <a:r>
-              <a:rPr lang="sk-SK" dirty="0"/>
-              <a:t>import </a:t>
-            </a:r>
-            <a:r>
-              <a:rPr lang="sk-SK" dirty="0" err="1" smtClean="0"/>
-              <a:t>to_categorical</a:t>
-            </a:r>
-            <a:r>
-              <a:rPr lang="sk-SK" dirty="0" smtClean="0"/>
-              <a:t> – </a:t>
-            </a:r>
-            <a:r>
-              <a:rPr lang="sk-SK" dirty="0" err="1" smtClean="0"/>
-              <a:t>konvert</a:t>
-            </a:r>
-            <a:r>
-              <a:rPr lang="sk-SK" dirty="0" smtClean="0"/>
-              <a:t> vektoru triedy na maticu</a:t>
-            </a:r>
-            <a:endParaRPr lang="sk-SK" dirty="0"/>
-          </a:p>
-          <a:p>
-            <a:pPr lvl="2"/>
+              <a:t>Použité príkazy a ukážka NS</a:t>
+            </a:r>
             <a:endParaRPr lang="sk-SK" dirty="0"/>
           </a:p>
         </p:txBody>
       </p:sp>
       <p:pic>
         <p:nvPicPr>
-          <p:cNvPr id="6" name="Obrázok 5"/>
+          <p:cNvPr id="4" name="Obrázok 3"/>
           <p:cNvPicPr>
             <a:picLocks noChangeAspect="1"/>
           </p:cNvPicPr>
@@ -7607,8 +7557,104 @@
         </p:blipFill>
         <p:spPr>
           <a:xfrm>
-            <a:off x="7526295" y="457200"/>
-            <a:ext cx="3935840" cy="1985649"/>
+            <a:off x="858379" y="3350870"/>
+            <a:ext cx="5802395" cy="3262451"/>
+          </a:xfrm>
+          <a:prstGeom prst="rect">
+            <a:avLst/>
+          </a:prstGeom>
+        </p:spPr>
+      </p:pic>
+      <p:pic>
+        <p:nvPicPr>
+          <p:cNvPr id="5" name="Obrázok 4"/>
+          <p:cNvPicPr>
+            <a:picLocks noChangeAspect="1"/>
+          </p:cNvPicPr>
+          <p:nvPr/>
+        </p:nvPicPr>
+        <p:blipFill>
+          <a:blip r:embed="rId3"/>
+          <a:stretch>
+            <a:fillRect/>
+          </a:stretch>
+        </p:blipFill>
+        <p:spPr>
+          <a:xfrm>
+            <a:off x="6965154" y="2553513"/>
+            <a:ext cx="2781300" cy="2905125"/>
+          </a:xfrm>
+          <a:prstGeom prst="rect">
+            <a:avLst/>
+          </a:prstGeom>
+        </p:spPr>
+      </p:pic>
+      <p:pic>
+        <p:nvPicPr>
+          <p:cNvPr id="6" name="Obrázok 5"/>
+          <p:cNvPicPr>
+            <a:picLocks noChangeAspect="1"/>
+          </p:cNvPicPr>
+          <p:nvPr/>
+        </p:nvPicPr>
+        <p:blipFill>
+          <a:blip r:embed="rId4"/>
+          <a:stretch>
+            <a:fillRect/>
+          </a:stretch>
+        </p:blipFill>
+        <p:spPr>
+          <a:xfrm>
+            <a:off x="10050834" y="2553513"/>
+            <a:ext cx="1266825" cy="2924175"/>
+          </a:xfrm>
+          <a:prstGeom prst="rect">
+            <a:avLst/>
+          </a:prstGeom>
+        </p:spPr>
+      </p:pic>
+      <p:pic>
+        <p:nvPicPr>
+          <p:cNvPr id="7" name="Obrázok 6"/>
+          <p:cNvPicPr>
+            <a:picLocks noChangeAspect="1"/>
+          </p:cNvPicPr>
+          <p:nvPr/>
+        </p:nvPicPr>
+        <p:blipFill>
+          <a:blip r:embed="rId5"/>
+          <a:stretch>
+            <a:fillRect/>
+          </a:stretch>
+        </p:blipFill>
+        <p:spPr>
+          <a:xfrm>
+            <a:off x="6965154" y="1807995"/>
+            <a:ext cx="4352505" cy="613932"/>
+          </a:xfrm>
+          <a:prstGeom prst="rect">
+            <a:avLst/>
+          </a:prstGeom>
+        </p:spPr>
+      </p:pic>
+      <p:pic>
+        <p:nvPicPr>
+          <p:cNvPr id="8" name="Obrázok 7"/>
+          <p:cNvPicPr>
+            <a:picLocks noChangeAspect="1"/>
+          </p:cNvPicPr>
+          <p:nvPr/>
+        </p:nvPicPr>
+        <p:blipFill>
+          <a:blip r:embed="rId6"/>
+          <a:stretch>
+            <a:fillRect/>
+          </a:stretch>
+        </p:blipFill>
+        <p:spPr>
+          <a:xfrm>
+            <a:off x="858378" y="1152983"/>
+            <a:ext cx="5802395" cy="2028690"/>
           </a:xfrm>
           <a:prstGeom prst="rect">
             <a:avLst/>
@@ -7618,7 +7664,7 @@
     </p:spTree>
     <p:extLst>
       <p:ext uri="{BB962C8B-B14F-4D97-AF65-F5344CB8AC3E}">
-        <p14:creationId xmlns:p14="http://schemas.microsoft.com/office/powerpoint/2010/main" val="751677599"/>
+        <p14:creationId xmlns:p14="http://schemas.microsoft.com/office/powerpoint/2010/main" val="2812708109"/>
       </p:ext>
     </p:extLst>
   </p:cSld>
@@ -7662,70 +7708,183 @@
             <p:ph type="title"/>
           </p:nvPr>
         </p:nvSpPr>
+        <p:spPr>
+          <a:xfrm>
+            <a:off x="645130" y="457200"/>
+            <a:ext cx="9404723" cy="1400530"/>
+          </a:xfrm>
+        </p:spPr>
+        <p:txBody>
+          <a:bodyPr/>
+          <a:lstStyle/>
+          <a:p>
+            <a:r>
+              <a:rPr lang="sk-SK" dirty="0" smtClean="0"/>
+              <a:t>Použité knižnice</a:t>
+            </a:r>
+            <a:endParaRPr lang="sk-SK" dirty="0"/>
+          </a:p>
+        </p:txBody>
+      </p:sp>
+      <p:sp>
+        <p:nvSpPr>
+          <p:cNvPr id="5" name="Zástupný objekt pre obsah 4"/>
+          <p:cNvSpPr>
+            <a:spLocks noGrp="1"/>
+          </p:cNvSpPr>
+          <p:nvPr>
+            <p:ph idx="1"/>
+          </p:nvPr>
+        </p:nvSpPr>
         <p:spPr/>
         <p:txBody>
           <a:bodyPr/>
           <a:lstStyle/>
           <a:p>
             <a:r>
+              <a:rPr lang="sk-SK" dirty="0" err="1" smtClean="0"/>
+              <a:t>Pandas</a:t>
+            </a:r>
+            <a:r>
               <a:rPr lang="sk-SK" dirty="0" smtClean="0"/>
-              <a:t>Princíp fungovania neurónovej siete</a:t>
+              <a:t> – manipulácia a analýza údajov </a:t>
+            </a:r>
+          </a:p>
+          <a:p>
+            <a:r>
+              <a:rPr lang="sk-SK" dirty="0" err="1" smtClean="0"/>
+              <a:t>Numpy</a:t>
+            </a:r>
+            <a:r>
+              <a:rPr lang="sk-SK" dirty="0" smtClean="0"/>
+              <a:t> – matematické funkcie vysokej úrovne</a:t>
+            </a:r>
+          </a:p>
+          <a:p>
+            <a:r>
+              <a:rPr lang="sk-SK" dirty="0" err="1" smtClean="0"/>
+              <a:t>Matplotlib</a:t>
+            </a:r>
+            <a:r>
+              <a:rPr lang="sk-SK" dirty="0" smtClean="0"/>
+              <a:t> – vytváranie statických, animovaných a interaktívnych                               				 vizualizácií  </a:t>
             </a:r>
             <a:endParaRPr lang="sk-SK" dirty="0"/>
           </a:p>
-        </p:txBody>
-      </p:sp>
-      <p:sp>
-        <p:nvSpPr>
-          <p:cNvPr id="3" name="Zástupný objekt pre obsah 2"/>
-          <p:cNvSpPr>
-            <a:spLocks noGrp="1"/>
-          </p:cNvSpPr>
-          <p:nvPr>
-            <p:ph idx="1"/>
-          </p:nvPr>
-        </p:nvSpPr>
-        <p:spPr>
-          <a:xfrm>
-            <a:off x="646111" y="2662519"/>
-            <a:ext cx="8946541" cy="4195481"/>
-          </a:xfrm>
-        </p:spPr>
-        <p:txBody>
-          <a:bodyPr/>
-          <a:lstStyle/>
           <a:p>
             <a:r>
               <a:rPr lang="sk-SK" dirty="0" smtClean="0"/>
-              <a:t>Zloženie</a:t>
-            </a:r>
-          </a:p>
-          <a:p>
+              <a:t>Keras:</a:t>
+            </a:r>
+          </a:p>
+          <a:p>
+            <a:pPr lvl="2"/>
+            <a:r>
+              <a:rPr lang="sk-SK" dirty="0" err="1" smtClean="0"/>
+              <a:t>keras.model</a:t>
+            </a:r>
             <a:r>
               <a:rPr lang="sk-SK" dirty="0" smtClean="0"/>
-              <a:t>Prepojenie</a:t>
-            </a:r>
-          </a:p>
-          <a:p>
+              <a:t> import </a:t>
+            </a:r>
+            <a:r>
+              <a:rPr lang="sk-SK" dirty="0" err="1" smtClean="0"/>
+              <a:t>Sequential</a:t>
+            </a:r>
             <a:r>
               <a:rPr lang="sk-SK" dirty="0" smtClean="0"/>
-              <a:t>Vrstvy </a:t>
-            </a:r>
-          </a:p>
-          <a:p>
+              <a:t> – Sekvenčný model</a:t>
+            </a:r>
+          </a:p>
+          <a:p>
+            <a:pPr lvl="2"/>
+            <a:r>
+              <a:rPr lang="sk-SK" dirty="0" err="1" smtClean="0"/>
+              <a:t>keras.layers</a:t>
+            </a:r>
             <a:r>
               <a:rPr lang="sk-SK" dirty="0" smtClean="0"/>
-              <a:t>Úlohy vrstiev</a:t>
-            </a:r>
-          </a:p>
-          <a:p>
+              <a:t> </a:t>
+            </a:r>
+            <a:r>
+              <a:rPr lang="sk-SK" dirty="0"/>
+              <a:t>import </a:t>
+            </a:r>
+            <a:r>
+              <a:rPr lang="sk-SK" dirty="0" err="1" smtClean="0"/>
+              <a:t>Dense</a:t>
+            </a:r>
+            <a:r>
+              <a:rPr lang="sk-SK" dirty="0" smtClean="0"/>
+              <a:t> – implementácia operácie</a:t>
+            </a:r>
+            <a:endParaRPr lang="sk-SK" dirty="0"/>
+          </a:p>
+          <a:p>
+            <a:pPr lvl="2"/>
+            <a:r>
+              <a:rPr lang="sk-SK" dirty="0" err="1" smtClean="0"/>
+              <a:t>keras.utils</a:t>
+            </a:r>
+            <a:r>
+              <a:rPr lang="sk-SK" dirty="0" smtClean="0"/>
+              <a:t> </a:t>
+            </a:r>
+            <a:r>
+              <a:rPr lang="sk-SK" dirty="0"/>
+              <a:t>import </a:t>
+            </a:r>
+            <a:r>
+              <a:rPr lang="sk-SK" dirty="0" err="1" smtClean="0"/>
+              <a:t>np_utils</a:t>
+            </a:r>
+            <a:r>
+              <a:rPr lang="sk-SK" dirty="0" smtClean="0"/>
+              <a:t> – balík nástrojov pre Keras</a:t>
+            </a:r>
+            <a:endParaRPr lang="sk-SK" dirty="0"/>
+          </a:p>
+          <a:p>
+            <a:pPr lvl="2"/>
+            <a:r>
+              <a:rPr lang="sk-SK" dirty="0" err="1" smtClean="0"/>
+              <a:t>keras.utils</a:t>
+            </a:r>
+            <a:r>
+              <a:rPr lang="sk-SK" dirty="0" smtClean="0"/>
+              <a:t> </a:t>
+            </a:r>
+            <a:r>
+              <a:rPr lang="sk-SK" dirty="0"/>
+              <a:t>import </a:t>
+            </a:r>
+            <a:r>
+              <a:rPr lang="sk-SK" dirty="0" err="1" smtClean="0"/>
+              <a:t>to_categorical</a:t>
+            </a:r>
+            <a:r>
+              <a:rPr lang="sk-SK" dirty="0" smtClean="0"/>
+              <a:t> – </a:t>
+            </a:r>
+            <a:r>
+              <a:rPr lang="sk-SK" dirty="0" err="1" smtClean="0"/>
+              <a:t>konvert</a:t>
+            </a:r>
+            <a:r>
+              <a:rPr lang="sk-SK" dirty="0" smtClean="0"/>
+              <a:t> vektoru triedy na maticu</a:t>
+            </a:r>
+            <a:endParaRPr lang="sk-SK" dirty="0"/>
+          </a:p>
+          <a:p>
+            <a:pPr lvl="2"/>
             <a:endParaRPr lang="sk-SK" dirty="0"/>
           </a:p>
         </p:txBody>
       </p:sp>
       <p:pic>
         <p:nvPicPr>
-          <p:cNvPr id="7" name="Obrázok 6"/>
+          <p:cNvPr id="6" name="Obrázok 5"/>
           <p:cNvPicPr>
             <a:picLocks noChangeAspect="1"/>
           </p:cNvPicPr>
@@ -7739,8 +7898,8 @@
         </p:blipFill>
         <p:spPr>
           <a:xfrm>
-            <a:off x="3940518" y="1853248"/>
-            <a:ext cx="5286375" cy="3429000"/>
+            <a:off x="7526295" y="457200"/>
+            <a:ext cx="3935840" cy="1985649"/>
           </a:xfrm>
           <a:prstGeom prst="rect">
             <a:avLst/>
@@ -7750,7 +7909,7 @@
     </p:spTree>
     <p:extLst>
       <p:ext uri="{BB962C8B-B14F-4D97-AF65-F5344CB8AC3E}">
-        <p14:creationId xmlns:p14="http://schemas.microsoft.com/office/powerpoint/2010/main" val="3850994769"/>
+        <p14:creationId xmlns:p14="http://schemas.microsoft.com/office/powerpoint/2010/main" val="751677599"/>
       </p:ext>
     </p:extLst>
   </p:cSld>
@@ -7801,7 +7960,7 @@
           <a:p>
             <a:r>
               <a:rPr lang="sk-SK" dirty="0" smtClean="0"/>
-              <a:t>Matematické výpočty</a:t>
+              <a:t>Princíp fungovania neurónovej siete</a:t>
             </a:r>
             <a:endParaRPr lang="sk-SK" dirty="0"/>
           </a:p>
@@ -7819,7 +7978,7 @@
         </p:nvSpPr>
         <p:spPr>
           <a:xfrm>
-            <a:off x="779116" y="1961478"/>
+            <a:off x="646111" y="2662519"/>
             <a:ext cx="8946541" cy="4195481"/>
           </a:xfrm>
         </p:spPr>
@@ -7829,36 +7988,35 @@
           <a:p>
             <a:r>
               <a:rPr lang="sk-SK" dirty="0" smtClean="0"/>
-              <a:t>Perceptrón</a:t>
-            </a:r>
-          </a:p>
-          <a:p>
-            <a:endParaRPr lang="sk-SK" dirty="0" smtClean="0"/>
-          </a:p>
-          <a:p>
-            <a:pPr marL="0" indent="0">
-              <a:buNone/>
-            </a:pPr>
-            <a:endParaRPr lang="sk-SK" dirty="0" smtClean="0"/>
-          </a:p>
-          <a:p>
-            <a:pPr marL="0" indent="0">
-              <a:buNone/>
-            </a:pPr>
-            <a:endParaRPr lang="sk-SK" dirty="0" smtClean="0"/>
+              <a:t>Zloženie</a:t>
+            </a:r>
           </a:p>
           <a:p>
             <a:r>
               <a:rPr lang="sk-SK" dirty="0" smtClean="0"/>
-              <a:t>Aktivačné funkcie</a:t>
-            </a:r>
+              <a:t>Prepojenie</a:t>
+            </a:r>
+          </a:p>
+          <a:p>
+            <a:r>
+              <a:rPr lang="sk-SK" dirty="0" smtClean="0"/>
+              <a:t>Vrstvy </a:t>
+            </a:r>
+          </a:p>
+          <a:p>
+            <a:r>
+              <a:rPr lang="sk-SK" dirty="0" smtClean="0"/>
+              <a:t>Úlohy vrstiev</a:t>
+            </a:r>
+          </a:p>
+          <a:p>
             <a:endParaRPr lang="sk-SK" dirty="0"/>
           </a:p>
         </p:txBody>
       </p:sp>
       <p:pic>
         <p:nvPicPr>
-          <p:cNvPr id="6" name="Obrázok 5"/>
+          <p:cNvPr id="7" name="Obrázok 6"/>
           <p:cNvPicPr>
             <a:picLocks noChangeAspect="1"/>
           </p:cNvPicPr>
@@ -7872,32 +8030,8 @@
         </p:blipFill>
         <p:spPr>
           <a:xfrm>
-            <a:off x="1182483" y="4282178"/>
-            <a:ext cx="4499178" cy="1692065"/>
-          </a:xfrm>
-          <a:prstGeom prst="rect">
-            <a:avLst/>
-          </a:prstGeom>
-        </p:spPr>
-      </p:pic>
-      <p:pic>
-        <p:nvPicPr>
-          <p:cNvPr id="7" name="Obrázok 6"/>
-          <p:cNvPicPr>
-            <a:picLocks noChangeAspect="1"/>
-          </p:cNvPicPr>
-          <p:nvPr/>
-        </p:nvPicPr>
-        <p:blipFill>
-          <a:blip r:embed="rId3"/>
-          <a:stretch>
-            <a:fillRect/>
-          </a:stretch>
-        </p:blipFill>
-        <p:spPr>
-          <a:xfrm>
-            <a:off x="1182483" y="2539181"/>
-            <a:ext cx="4429125" cy="809625"/>
+            <a:off x="3940518" y="1853248"/>
+            <a:ext cx="5286375" cy="3429000"/>
           </a:xfrm>
           <a:prstGeom prst="rect">
             <a:avLst/>
@@ -7907,7 +8041,7 @@
     </p:spTree>
     <p:extLst>
       <p:ext uri="{BB962C8B-B14F-4D97-AF65-F5344CB8AC3E}">
-        <p14:creationId xmlns:p14="http://schemas.microsoft.com/office/powerpoint/2010/main" val="3620657837"/>
+        <p14:creationId xmlns:p14="http://schemas.microsoft.com/office/powerpoint/2010/main" val="3850994769"/>
       </p:ext>
     </p:extLst>
   </p:cSld>
